--- a/The Hunger Games.pptx
+++ b/The Hunger Games.pptx
@@ -7333,14 +7333,6 @@
               </a:rPr>
               <a:t>Взаимодействие с БД</a:t>
             </a:r>
-            <a:endParaRPr lang="ru-RU" sz="4400" i="1" dirty="0" smtClean="0">
-              <a:solidFill>
-                <a:schemeClr val="accent2">
-                  <a:lumMod val="40000"/>
-                  <a:lumOff val="60000"/>
-                </a:schemeClr>
-              </a:solidFill>
-            </a:endParaRPr>
           </a:p>
           <a:p>
             <a:pPr marL="571500" indent="-540000">
@@ -8520,7 +8512,7 @@
         </p:nvSpPr>
         <p:spPr>
           <a:xfrm>
-            <a:off x="341311" y="90253"/>
+            <a:off x="341311" y="6032"/>
             <a:ext cx="9404723" cy="1400530"/>
           </a:xfrm>
         </p:spPr>
@@ -8537,15 +8529,7 @@
             </a:br>
             <a:r>
               <a:rPr lang="ru-RU" sz="5400" dirty="0" smtClean="0"/>
-              <a:t>(</a:t>
-            </a:r>
-            <a:r>
-              <a:rPr lang="ru-RU" sz="5400" dirty="0" smtClean="0"/>
-              <a:t>игровой модуль</a:t>
-            </a:r>
-            <a:r>
-              <a:rPr lang="ru-RU" sz="5400" dirty="0" smtClean="0"/>
-              <a:t>)</a:t>
+              <a:t>(игровой модуль)</a:t>
             </a:r>
             <a:endParaRPr lang="ru-RU" sz="5400" dirty="0"/>
           </a:p>
@@ -8600,7 +8584,7 @@
       </p:sp>
       <p:pic>
         <p:nvPicPr>
-          <p:cNvPr id="5" name="Рисунок 4"/>
+          <p:cNvPr id="4" name="Рисунок 3"/>
           <p:cNvPicPr>
             <a:picLocks noChangeAspect="1"/>
           </p:cNvPicPr>
@@ -8614,8 +8598,8 @@
         </p:blipFill>
         <p:spPr>
           <a:xfrm>
-            <a:off x="341311" y="1850008"/>
-            <a:ext cx="11523306" cy="4886694"/>
+            <a:off x="629782" y="2021306"/>
+            <a:ext cx="10865022" cy="4692314"/>
           </a:xfrm>
           <a:prstGeom prst="rect">
             <a:avLst/>
@@ -8688,11 +8672,7 @@
             </a:br>
             <a:r>
               <a:rPr lang="ru-RU" sz="5400" dirty="0" smtClean="0"/>
-              <a:t>(</a:t>
-            </a:r>
-            <a:r>
-              <a:rPr lang="ru-RU" sz="5400" dirty="0" smtClean="0"/>
-              <a:t>паттерн </a:t>
+              <a:t>(паттерн </a:t>
             </a:r>
             <a:r>
               <a:rPr lang="en-US" sz="5400" dirty="0" smtClean="0"/>

--- a/The Hunger Games.pptx
+++ b/The Hunger Games.pptx
@@ -8878,7 +8878,7 @@
       </p:sp>
       <p:pic>
         <p:nvPicPr>
-          <p:cNvPr id="5" name="Рисунок 4"/>
+          <p:cNvPr id="4" name="Рисунок 3"/>
           <p:cNvPicPr>
             <a:picLocks noChangeAspect="1"/>
           </p:cNvPicPr>
@@ -8892,8 +8892,8 @@
         </p:blipFill>
         <p:spPr>
           <a:xfrm>
-            <a:off x="419878" y="1819470"/>
-            <a:ext cx="11084767" cy="4907902"/>
+            <a:off x="204537" y="1804737"/>
+            <a:ext cx="11863137" cy="4969042"/>
           </a:xfrm>
           <a:prstGeom prst="rect">
             <a:avLst/>

--- a/The Hunger Games.pptx
+++ b/The Hunger Games.pptx
@@ -5,7 +5,7 @@
     <p:sldMasterId id="2147483725" r:id="rId1"/>
   </p:sldMasterIdLst>
   <p:notesMasterIdLst>
-    <p:notesMasterId r:id="rId13"/>
+    <p:notesMasterId r:id="rId14"/>
   </p:notesMasterIdLst>
   <p:sldIdLst>
     <p:sldId id="256" r:id="rId2"/>
@@ -16,9 +16,10 @@
     <p:sldId id="274" r:id="rId7"/>
     <p:sldId id="278" r:id="rId8"/>
     <p:sldId id="277" r:id="rId9"/>
-    <p:sldId id="268" r:id="rId10"/>
-    <p:sldId id="276" r:id="rId11"/>
-    <p:sldId id="265" r:id="rId12"/>
+    <p:sldId id="281" r:id="rId10"/>
+    <p:sldId id="280" r:id="rId11"/>
+    <p:sldId id="268" r:id="rId12"/>
+    <p:sldId id="265" r:id="rId13"/>
   </p:sldIdLst>
   <p:sldSz cx="12192000" cy="6858000"/>
   <p:notesSz cx="6858000" cy="9144000"/>
@@ -207,7 +208,7 @@
           <a:p>
             <a:fld id="{19D5D8E3-7593-40D6-9BE4-D752D4742DFB}" type="datetimeFigureOut">
               <a:rPr lang="ru-RU" smtClean="0"/>
-              <a:t>02.06.2022</a:t>
+              <a:t>03.06.2022</a:t>
             </a:fld>
             <a:endParaRPr lang="ru-RU"/>
           </a:p>
@@ -624,7 +625,7 @@
           <a:p>
             <a:fld id="{4B806E1B-5A9F-46C3-82B9-FFB3019E6A11}" type="slidenum">
               <a:rPr lang="ru-RU" smtClean="0"/>
-              <a:t>11</a:t>
+              <a:t>12</a:t>
             </a:fld>
             <a:endParaRPr lang="ru-RU"/>
           </a:p>
@@ -826,7 +827,7 @@
           <a:p>
             <a:fld id="{7DA438FC-A79E-4D75-8403-76C2BC37D848}" type="datetime1">
               <a:rPr lang="ru-RU" smtClean="0"/>
-              <a:t>02.06.2022</a:t>
+              <a:t>03.06.2022</a:t>
             </a:fld>
             <a:endParaRPr lang="ru-RU"/>
           </a:p>
@@ -1101,7 +1102,7 @@
           <a:p>
             <a:fld id="{F9792E38-FB77-437F-AE6A-A2377849968D}" type="datetime1">
               <a:rPr lang="ru-RU" smtClean="0"/>
-              <a:t>02.06.2022</a:t>
+              <a:t>03.06.2022</a:t>
             </a:fld>
             <a:endParaRPr lang="ru-RU"/>
           </a:p>
@@ -1295,7 +1296,7 @@
           <a:p>
             <a:fld id="{05B07E65-005F-4F57-9CA0-7199A588C44C}" type="datetime1">
               <a:rPr lang="ru-RU" smtClean="0"/>
-              <a:t>02.06.2022</a:t>
+              <a:t>03.06.2022</a:t>
             </a:fld>
             <a:endParaRPr lang="ru-RU"/>
           </a:p>
@@ -1563,7 +1564,7 @@
           <a:p>
             <a:fld id="{134F4EE2-2D05-461D-AFFF-E5ACF685627C}" type="datetime1">
               <a:rPr lang="ru-RU" smtClean="0"/>
-              <a:t>02.06.2022</a:t>
+              <a:t>03.06.2022</a:t>
             </a:fld>
             <a:endParaRPr lang="ru-RU"/>
           </a:p>
@@ -1895,7 +1896,7 @@
           <a:p>
             <a:fld id="{9A354C8A-3FAF-4589-9711-A88660506228}" type="datetime1">
               <a:rPr lang="ru-RU" smtClean="0"/>
-              <a:t>02.06.2022</a:t>
+              <a:t>03.06.2022</a:t>
             </a:fld>
             <a:endParaRPr lang="ru-RU"/>
           </a:p>
@@ -2505,7 +2506,7 @@
           <a:p>
             <a:fld id="{8155DA38-45A1-4637-8931-995F7285A52C}" type="datetime1">
               <a:rPr lang="ru-RU" smtClean="0"/>
-              <a:t>02.06.2022</a:t>
+              <a:t>03.06.2022</a:t>
             </a:fld>
             <a:endParaRPr lang="ru-RU"/>
           </a:p>
@@ -3352,7 +3353,7 @@
           <a:p>
             <a:fld id="{600C215B-F3FF-4947-9B6F-5E05B82E0B45}" type="datetime1">
               <a:rPr lang="ru-RU" smtClean="0"/>
-              <a:t>02.06.2022</a:t>
+              <a:t>03.06.2022</a:t>
             </a:fld>
             <a:endParaRPr lang="ru-RU"/>
           </a:p>
@@ -3522,7 +3523,7 @@
           <a:p>
             <a:fld id="{B9BBD2FE-EA42-4512-8031-8D8AE8D0AFE0}" type="datetime1">
               <a:rPr lang="ru-RU" smtClean="0"/>
-              <a:t>02.06.2022</a:t>
+              <a:t>03.06.2022</a:t>
             </a:fld>
             <a:endParaRPr lang="ru-RU"/>
           </a:p>
@@ -3702,7 +3703,7 @@
           <a:p>
             <a:fld id="{DE310D63-1975-46B1-9416-15F7AD6F4604}" type="datetime1">
               <a:rPr lang="ru-RU" smtClean="0"/>
-              <a:t>02.06.2022</a:t>
+              <a:t>03.06.2022</a:t>
             </a:fld>
             <a:endParaRPr lang="ru-RU"/>
           </a:p>
@@ -3872,7 +3873,7 @@
           <a:p>
             <a:fld id="{BF475D92-964E-4435-AF13-E9378436730A}" type="datetime1">
               <a:rPr lang="ru-RU" smtClean="0"/>
-              <a:t>02.06.2022</a:t>
+              <a:t>03.06.2022</a:t>
             </a:fld>
             <a:endParaRPr lang="ru-RU"/>
           </a:p>
@@ -4116,7 +4117,7 @@
           <a:p>
             <a:fld id="{D40784E5-F1CA-4409-9CE1-29BD24A1C451}" type="datetime1">
               <a:rPr lang="ru-RU" smtClean="0"/>
-              <a:t>02.06.2022</a:t>
+              <a:t>03.06.2022</a:t>
             </a:fld>
             <a:endParaRPr lang="ru-RU"/>
           </a:p>
@@ -4408,7 +4409,7 @@
           <a:p>
             <a:fld id="{CFC7FDAB-C541-423E-8B9D-127DD25FA35A}" type="datetime1">
               <a:rPr lang="ru-RU" smtClean="0"/>
-              <a:t>02.06.2022</a:t>
+              <a:t>03.06.2022</a:t>
             </a:fld>
             <a:endParaRPr lang="ru-RU"/>
           </a:p>
@@ -4846,7 +4847,7 @@
           <a:p>
             <a:fld id="{58AAD8EA-6BFA-4657-B4FF-882E4097D38A}" type="datetime1">
               <a:rPr lang="ru-RU" smtClean="0"/>
-              <a:t>02.06.2022</a:t>
+              <a:t>03.06.2022</a:t>
             </a:fld>
             <a:endParaRPr lang="ru-RU"/>
           </a:p>
@@ -4964,7 +4965,7 @@
           <a:p>
             <a:fld id="{DCC42884-0415-4196-973B-475578E82539}" type="datetime1">
               <a:rPr lang="ru-RU" smtClean="0"/>
-              <a:t>02.06.2022</a:t>
+              <a:t>03.06.2022</a:t>
             </a:fld>
             <a:endParaRPr lang="ru-RU"/>
           </a:p>
@@ -5059,7 +5060,7 @@
           <a:p>
             <a:fld id="{57E4ACD6-CBDE-4D42-AF98-B75E1D583C00}" type="datetime1">
               <a:rPr lang="ru-RU" smtClean="0"/>
-              <a:t>02.06.2022</a:t>
+              <a:t>03.06.2022</a:t>
             </a:fld>
             <a:endParaRPr lang="ru-RU"/>
           </a:p>
@@ -5338,7 +5339,7 @@
           <a:p>
             <a:fld id="{2313D9B3-40BA-4C79-91BF-4987131FB858}" type="datetime1">
               <a:rPr lang="ru-RU" smtClean="0"/>
-              <a:t>02.06.2022</a:t>
+              <a:t>03.06.2022</a:t>
             </a:fld>
             <a:endParaRPr lang="ru-RU"/>
           </a:p>
@@ -5613,7 +5614,7 @@
           <a:p>
             <a:fld id="{6BDE4830-CD00-499D-BF60-9E7B157EBE88}" type="datetime1">
               <a:rPr lang="ru-RU" smtClean="0"/>
-              <a:t>02.06.2022</a:t>
+              <a:t>03.06.2022</a:t>
             </a:fld>
             <a:endParaRPr lang="ru-RU"/>
           </a:p>
@@ -6042,7 +6043,7 @@
           <a:p>
             <a:fld id="{47C8A88A-1629-461E-BF69-4029BFEB1BE8}" type="datetime1">
               <a:rPr lang="ru-RU" smtClean="0"/>
-              <a:t>02.06.2022</a:t>
+              <a:t>03.06.2022</a:t>
             </a:fld>
             <a:endParaRPr lang="ru-RU"/>
           </a:p>
@@ -6760,8 +6761,8 @@
         </p:nvSpPr>
         <p:spPr>
           <a:xfrm>
-            <a:off x="530781" y="180869"/>
-            <a:ext cx="9404723" cy="1400530"/>
+            <a:off x="291884" y="65541"/>
+            <a:ext cx="9461716" cy="1400530"/>
           </a:xfrm>
         </p:spPr>
         <p:txBody>
@@ -6770,19 +6771,30 @@
           <a:p>
             <a:r>
               <a:rPr lang="ru-RU" sz="5400" dirty="0" smtClean="0"/>
-              <a:t>Результат</a:t>
-            </a:r>
-            <a:r>
-              <a:rPr lang="ru-RU" dirty="0" smtClean="0"/>
-              <a:t> </a:t>
-            </a:r>
-            <a:endParaRPr lang="ru-RU" dirty="0"/>
-          </a:p>
-        </p:txBody>
-      </p:sp>
-      <p:sp>
-        <p:nvSpPr>
-          <p:cNvPr id="7" name="Номер слайда 6"/>
+              <a:t>Процесс разработки</a:t>
+            </a:r>
+            <a:br>
+              <a:rPr lang="ru-RU" sz="5400" dirty="0" smtClean="0"/>
+            </a:br>
+            <a:r>
+              <a:rPr lang="ru-RU" sz="5400" dirty="0" smtClean="0"/>
+              <a:t>(</a:t>
+            </a:r>
+            <a:r>
+              <a:rPr lang="ru-RU" sz="5400" dirty="0" smtClean="0"/>
+              <a:t>рейтинг</a:t>
+            </a:r>
+            <a:r>
+              <a:rPr lang="ru-RU" sz="5400" dirty="0" smtClean="0"/>
+              <a:t>)</a:t>
+            </a:r>
+            <a:endParaRPr lang="ru-RU" sz="5400" dirty="0"/>
+          </a:p>
+        </p:txBody>
+      </p:sp>
+      <p:sp>
+        <p:nvSpPr>
+          <p:cNvPr id="3" name="Номер слайда 2"/>
           <p:cNvSpPr>
             <a:spLocks noGrp="1"/>
           </p:cNvSpPr>
@@ -6812,12 +6824,12 @@
               <a:t>/1</a:t>
             </a:r>
             <a:r>
-              <a:rPr lang="en-US" sz="1800" dirty="0" smtClean="0">
+              <a:rPr lang="ru-RU" sz="1800" dirty="0" smtClean="0">
                 <a:solidFill>
                   <a:schemeClr val="bg1"/>
                 </a:solidFill>
               </a:rPr>
-              <a:t>1</a:t>
+              <a:t>2</a:t>
             </a:r>
             <a:endParaRPr lang="ru-RU" sz="1800" dirty="0">
               <a:solidFill>
@@ -6829,7 +6841,7 @@
       </p:sp>
       <p:pic>
         <p:nvPicPr>
-          <p:cNvPr id="5" name="Рисунок 4"/>
+          <p:cNvPr id="6" name="Рисунок 5"/>
           <p:cNvPicPr>
             <a:picLocks noChangeAspect="1"/>
           </p:cNvPicPr>
@@ -6843,8 +6855,8 @@
         </p:blipFill>
         <p:spPr>
           <a:xfrm>
-            <a:off x="1281539" y="1261296"/>
-            <a:ext cx="9490100" cy="5503320"/>
+            <a:off x="2302394" y="1960036"/>
+            <a:ext cx="8157224" cy="4729312"/>
           </a:xfrm>
           <a:prstGeom prst="rect">
             <a:avLst/>
@@ -6854,7 +6866,7 @@
     </p:spTree>
     <p:extLst>
       <p:ext uri="{BB962C8B-B14F-4D97-AF65-F5344CB8AC3E}">
-        <p14:creationId xmlns:p14="http://schemas.microsoft.com/office/powerpoint/2010/main" val="563203574"/>
+        <p14:creationId xmlns:p14="http://schemas.microsoft.com/office/powerpoint/2010/main" val="4008787317"/>
       </p:ext>
     </p:extLst>
   </p:cSld>
@@ -6895,6 +6907,179 @@
             <a:spLocks noGrp="1"/>
           </p:cNvSpPr>
           <p:nvPr>
+            <p:ph type="title"/>
+          </p:nvPr>
+        </p:nvSpPr>
+        <p:spPr>
+          <a:xfrm>
+            <a:off x="291884" y="65541"/>
+            <a:ext cx="9461716" cy="1400530"/>
+          </a:xfrm>
+        </p:spPr>
+        <p:txBody>
+          <a:bodyPr/>
+          <a:lstStyle/>
+          <a:p>
+            <a:r>
+              <a:rPr lang="ru-RU" sz="5400" dirty="0" smtClean="0"/>
+              <a:t>Процесс разработки</a:t>
+            </a:r>
+            <a:br>
+              <a:rPr lang="ru-RU" sz="5400" dirty="0" smtClean="0"/>
+            </a:br>
+            <a:r>
+              <a:rPr lang="ru-RU" sz="5400" dirty="0" smtClean="0"/>
+              <a:t>(база данных)</a:t>
+            </a:r>
+            <a:endParaRPr lang="ru-RU" sz="5400" dirty="0"/>
+          </a:p>
+        </p:txBody>
+      </p:sp>
+      <p:sp>
+        <p:nvSpPr>
+          <p:cNvPr id="3" name="Номер слайда 2"/>
+          <p:cNvSpPr>
+            <a:spLocks noGrp="1"/>
+          </p:cNvSpPr>
+          <p:nvPr>
+            <p:ph type="sldNum" sz="quarter" idx="12"/>
+          </p:nvPr>
+        </p:nvSpPr>
+        <p:spPr/>
+        <p:txBody>
+          <a:bodyPr/>
+          <a:lstStyle/>
+          <a:p>
+            <a:fld id="{E3BA5ED9-0A9D-4D37-B1D3-0225354ED2E2}" type="slidenum">
+              <a:rPr lang="ru-RU" sz="1800" smtClean="0">
+                <a:solidFill>
+                  <a:schemeClr val="bg1"/>
+                </a:solidFill>
+              </a:rPr>
+              <a:t>11</a:t>
+            </a:fld>
+            <a:r>
+              <a:rPr lang="ru-RU" sz="1800" dirty="0" smtClean="0">
+                <a:solidFill>
+                  <a:schemeClr val="bg1"/>
+                </a:solidFill>
+              </a:rPr>
+              <a:t>/1</a:t>
+            </a:r>
+            <a:r>
+              <a:rPr lang="ru-RU" sz="1800" dirty="0">
+                <a:solidFill>
+                  <a:schemeClr val="bg1"/>
+                </a:solidFill>
+              </a:rPr>
+              <a:t>2</a:t>
+            </a:r>
+            <a:endParaRPr lang="ru-RU" sz="1800" dirty="0">
+              <a:solidFill>
+                <a:schemeClr val="bg1"/>
+              </a:solidFill>
+            </a:endParaRPr>
+          </a:p>
+        </p:txBody>
+      </p:sp>
+      <p:pic>
+        <p:nvPicPr>
+          <p:cNvPr id="4" name="Рисунок 3"/>
+          <p:cNvPicPr>
+            <a:picLocks noChangeAspect="1"/>
+          </p:cNvPicPr>
+          <p:nvPr/>
+        </p:nvPicPr>
+        <p:blipFill>
+          <a:blip r:embed="rId2">
+            <a:extLst>
+              <a:ext uri="{28A0092B-C50C-407E-A947-70E740481C1C}">
+                <a14:useLocalDpi xmlns:a14="http://schemas.microsoft.com/office/drawing/2010/main" val="0"/>
+              </a:ext>
+            </a:extLst>
+          </a:blip>
+          <a:stretch>
+            <a:fillRect/>
+          </a:stretch>
+        </p:blipFill>
+        <p:spPr>
+          <a:xfrm>
+            <a:off x="291884" y="2531317"/>
+            <a:ext cx="4755977" cy="3393732"/>
+          </a:xfrm>
+          <a:prstGeom prst="rect">
+            <a:avLst/>
+          </a:prstGeom>
+        </p:spPr>
+      </p:pic>
+      <p:pic>
+        <p:nvPicPr>
+          <p:cNvPr id="6" name="Рисунок 5"/>
+          <p:cNvPicPr>
+            <a:picLocks noChangeAspect="1"/>
+          </p:cNvPicPr>
+          <p:nvPr/>
+        </p:nvPicPr>
+        <p:blipFill>
+          <a:blip r:embed="rId3"/>
+          <a:stretch>
+            <a:fillRect/>
+          </a:stretch>
+        </p:blipFill>
+        <p:spPr>
+          <a:xfrm>
+            <a:off x="5290457" y="1716832"/>
+            <a:ext cx="6784911" cy="5019869"/>
+          </a:xfrm>
+          <a:prstGeom prst="rect">
+            <a:avLst/>
+          </a:prstGeom>
+        </p:spPr>
+      </p:pic>
+    </p:spTree>
+    <p:extLst>
+      <p:ext uri="{BB962C8B-B14F-4D97-AF65-F5344CB8AC3E}">
+        <p14:creationId xmlns:p14="http://schemas.microsoft.com/office/powerpoint/2010/main" val="1226755296"/>
+      </p:ext>
+    </p:extLst>
+  </p:cSld>
+  <p:clrMapOvr>
+    <a:masterClrMapping/>
+  </p:clrMapOvr>
+  <p:timing>
+    <p:tnLst>
+      <p:par>
+        <p:cTn id="1" dur="indefinite" restart="never" nodeType="tmRoot"/>
+      </p:par>
+    </p:tnLst>
+  </p:timing>
+</p:sld>
+</file>
+
+<file path=ppt/slides/slide12.xml><?xml version="1.0" encoding="utf-8"?>
+<p:sld xmlns:a="http://schemas.openxmlformats.org/drawingml/2006/main" xmlns:r="http://schemas.openxmlformats.org/officeDocument/2006/relationships" xmlns:p="http://schemas.openxmlformats.org/presentationml/2006/main">
+  <p:cSld>
+    <p:spTree>
+      <p:nvGrpSpPr>
+        <p:cNvPr id="1" name=""/>
+        <p:cNvGrpSpPr/>
+        <p:nvPr/>
+      </p:nvGrpSpPr>
+      <p:grpSpPr>
+        <a:xfrm>
+          <a:off x="0" y="0"/>
+          <a:ext cx="0" cy="0"/>
+          <a:chOff x="0" y="0"/>
+          <a:chExt cx="0" cy="0"/>
+        </a:xfrm>
+      </p:grpSpPr>
+      <p:sp>
+        <p:nvSpPr>
+          <p:cNvPr id="2" name="Заголовок 1"/>
+          <p:cNvSpPr>
+            <a:spLocks noGrp="1"/>
+          </p:cNvSpPr>
+          <p:nvPr>
             <p:ph type="ctrTitle"/>
           </p:nvPr>
         </p:nvSpPr>
@@ -6938,7 +7123,18 @@
                   </a:schemeClr>
                 </a:solidFill>
               </a:rPr>
-              <a:t>за внимание </a:t>
+              <a:t>за </a:t>
+            </a:r>
+            <a:r>
+              <a:rPr lang="ru-RU" sz="11500" dirty="0" smtClean="0">
+                <a:solidFill>
+                  <a:schemeClr val="accent1">
+                    <a:lumMod val="60000"/>
+                    <a:lumOff val="40000"/>
+                  </a:schemeClr>
+                </a:solidFill>
+              </a:rPr>
+              <a:t>внимание </a:t>
             </a:r>
             <a:endParaRPr lang="ru-RU" sz="8000" dirty="0">
               <a:solidFill>
@@ -7023,8 +7219,8 @@
         </p:nvSpPr>
         <p:spPr>
           <a:xfrm>
-            <a:off x="1079249" y="1403213"/>
-            <a:ext cx="10196059" cy="4487841"/>
+            <a:off x="6820678" y="1853248"/>
+            <a:ext cx="4883839" cy="4487841"/>
           </a:xfrm>
         </p:spPr>
         <p:txBody>
@@ -7114,13 +7310,18 @@
               <a:t>/1</a:t>
             </a:r>
             <a:r>
-              <a:rPr lang="en-US" sz="2400" dirty="0" smtClean="0">
+              <a:rPr lang="ru-RU" sz="2400" dirty="0" smtClean="0">
                 <a:solidFill>
                   <a:schemeClr val="bg1"/>
                 </a:solidFill>
               </a:rPr>
-              <a:t>1</a:t>
-            </a:r>
+              <a:t>2</a:t>
+            </a:r>
+            <a:endParaRPr lang="en-US" sz="2400" dirty="0" smtClean="0">
+              <a:solidFill>
+                <a:schemeClr val="bg1"/>
+              </a:solidFill>
+            </a:endParaRPr>
           </a:p>
         </p:txBody>
       </p:sp>
@@ -7140,7 +7341,7 @@
         </p:blipFill>
         <p:spPr>
           <a:xfrm>
-            <a:off x="3565422" y="3444814"/>
+            <a:off x="804731" y="2463987"/>
             <a:ext cx="5458261" cy="3266361"/>
           </a:xfrm>
           <a:prstGeom prst="rect">
@@ -7250,12 +7451,12 @@
               <a:t>/1</a:t>
             </a:r>
             <a:r>
-              <a:rPr lang="en-US" sz="2400" dirty="0" smtClean="0">
+              <a:rPr lang="ru-RU" sz="2400" dirty="0" smtClean="0">
                 <a:solidFill>
                   <a:schemeClr val="bg1"/>
                 </a:solidFill>
               </a:rPr>
-              <a:t>1</a:t>
+              <a:t>2</a:t>
             </a:r>
             <a:endParaRPr lang="ru-RU" sz="2400" dirty="0">
               <a:solidFill>
@@ -7539,14 +7740,14 @@
             <p:ph idx="1"/>
             <p:extLst>
               <p:ext uri="{D42A27DB-BD31-4B8C-83A1-F6EECF244321}">
-                <p14:modId xmlns:p14="http://schemas.microsoft.com/office/powerpoint/2010/main" val="1454705730"/>
+                <p14:modId xmlns:p14="http://schemas.microsoft.com/office/powerpoint/2010/main" val="2027072248"/>
               </p:ext>
             </p:extLst>
           </p:nvPr>
         </p:nvGraphicFramePr>
         <p:xfrm>
-          <a:off x="646111" y="1705233"/>
-          <a:ext cx="11013990" cy="4882178"/>
+          <a:off x="261258" y="1705233"/>
+          <a:ext cx="11812554" cy="4882178"/>
         </p:xfrm>
         <a:graphic>
           <a:graphicData uri="http://schemas.openxmlformats.org/drawingml/2006/table">
@@ -7555,21 +7756,21 @@
                 <a:tableStyleId>{5C22544A-7EE6-4342-B048-85BDC9FD1C3A}</a:tableStyleId>
               </a:tblPr>
               <a:tblGrid>
-                <a:gridCol w="4075179">
+                <a:gridCol w="4370648">
                   <a:extLst>
                     <a:ext uri="{9D8B030D-6E8A-4147-A177-3AD203B41FA5}">
                       <a16:colId xmlns:a16="http://schemas.microsoft.com/office/drawing/2014/main" val="1606402966"/>
                     </a:ext>
                   </a:extLst>
                 </a:gridCol>
-                <a:gridCol w="3267481">
+                <a:gridCol w="3504388">
                   <a:extLst>
                     <a:ext uri="{9D8B030D-6E8A-4147-A177-3AD203B41FA5}">
                       <a16:colId xmlns:a16="http://schemas.microsoft.com/office/drawing/2014/main" val="3600198400"/>
                     </a:ext>
                   </a:extLst>
                 </a:gridCol>
-                <a:gridCol w="3671330">
+                <a:gridCol w="3937518">
                   <a:extLst>
                     <a:ext uri="{9D8B030D-6E8A-4147-A177-3AD203B41FA5}">
                       <a16:colId xmlns:a16="http://schemas.microsoft.com/office/drawing/2014/main" val="1502397140"/>
@@ -7854,7 +8055,14 @@
                       <a:pPr algn="ctr"/>
                       <a:r>
                         <a:rPr lang="ru-RU" sz="3200" baseline="0" dirty="0" smtClean="0"/>
-                        <a:t>Программист</a:t>
+                        <a:t>Основная логика игры,</a:t>
+                      </a:r>
+                    </a:p>
+                    <a:p>
+                      <a:pPr algn="ctr"/>
+                      <a:r>
+                        <a:rPr lang="ru-RU" sz="3200" baseline="0" dirty="0" err="1" smtClean="0"/>
+                        <a:t>многопоточность</a:t>
                       </a:r>
                       <a:endParaRPr lang="ru-RU" sz="3200" dirty="0"/>
                     </a:p>
@@ -8013,7 +8221,18 @@
                       <a:pPr algn="ctr"/>
                       <a:r>
                         <a:rPr lang="ru-RU" sz="3200" dirty="0" smtClean="0"/>
-                        <a:t>Программист</a:t>
+                        <a:t>Графический</a:t>
+                      </a:r>
+                      <a:r>
+                        <a:rPr lang="ru-RU" sz="3200" baseline="0" dirty="0" smtClean="0"/>
+                        <a:t> интерфейс,</a:t>
+                      </a:r>
+                    </a:p>
+                    <a:p>
+                      <a:pPr algn="ctr"/>
+                      <a:r>
+                        <a:rPr lang="ru-RU" sz="3200" baseline="0" dirty="0" smtClean="0"/>
+                        <a:t>База данных</a:t>
                       </a:r>
                       <a:endParaRPr lang="ru-RU" sz="3200" dirty="0"/>
                     </a:p>
@@ -8075,7 +8294,12 @@
             <p:ph type="sldNum" sz="quarter" idx="12"/>
           </p:nvPr>
         </p:nvSpPr>
-        <p:spPr/>
+        <p:spPr>
+          <a:xfrm>
+            <a:off x="10352540" y="211508"/>
+            <a:ext cx="838199" cy="767687"/>
+          </a:xfrm>
+        </p:spPr>
         <p:txBody>
           <a:bodyPr/>
           <a:lstStyle/>
@@ -8097,12 +8321,12 @@
               <a:t>/1</a:t>
             </a:r>
             <a:r>
-              <a:rPr lang="en-US" sz="2400" dirty="0" smtClean="0">
+              <a:rPr lang="ru-RU" sz="2400" dirty="0" smtClean="0">
                 <a:solidFill>
                   <a:schemeClr val="bg1"/>
                 </a:solidFill>
               </a:rPr>
-              <a:t>1</a:t>
+              <a:t>2</a:t>
             </a:r>
             <a:endParaRPr lang="ru-RU" sz="2400" dirty="0">
               <a:solidFill>
@@ -8209,12 +8433,12 @@
               <a:t>/1</a:t>
             </a:r>
             <a:r>
-              <a:rPr lang="en-US" sz="2400" dirty="0" smtClean="0">
+              <a:rPr lang="ru-RU" sz="2400" dirty="0" smtClean="0">
                 <a:solidFill>
                   <a:schemeClr val="bg1"/>
                 </a:solidFill>
               </a:rPr>
-              <a:t>1</a:t>
+              <a:t>2</a:t>
             </a:r>
             <a:endParaRPr lang="ru-RU" sz="2400" dirty="0">
               <a:solidFill>
@@ -8567,12 +8791,12 @@
               <a:t>/1</a:t>
             </a:r>
             <a:r>
-              <a:rPr lang="en-US" sz="2400" dirty="0" smtClean="0">
+              <a:rPr lang="ru-RU" sz="2400" dirty="0" smtClean="0">
                 <a:solidFill>
                   <a:schemeClr val="bg1"/>
                 </a:solidFill>
               </a:rPr>
-              <a:t>1</a:t>
+              <a:t>2</a:t>
             </a:r>
             <a:endParaRPr lang="ru-RU" sz="2400" dirty="0">
               <a:solidFill>
@@ -8584,7 +8808,7 @@
       </p:sp>
       <p:pic>
         <p:nvPicPr>
-          <p:cNvPr id="4" name="Рисунок 3"/>
+          <p:cNvPr id="5" name="Рисунок 4"/>
           <p:cNvPicPr>
             <a:picLocks noChangeAspect="1"/>
           </p:cNvPicPr>
@@ -8598,8 +8822,8 @@
         </p:blipFill>
         <p:spPr>
           <a:xfrm>
-            <a:off x="629782" y="2021306"/>
-            <a:ext cx="10865022" cy="4692314"/>
+            <a:off x="1744347" y="1794492"/>
+            <a:ext cx="8824762" cy="5063508"/>
           </a:xfrm>
           <a:prstGeom prst="rect">
             <a:avLst/>
@@ -8696,7 +8920,12 @@
             <p:ph type="sldNum" sz="quarter" idx="12"/>
           </p:nvPr>
         </p:nvSpPr>
-        <p:spPr/>
+        <p:spPr>
+          <a:xfrm>
+            <a:off x="10352540" y="223540"/>
+            <a:ext cx="838199" cy="767687"/>
+          </a:xfrm>
+        </p:spPr>
         <p:txBody>
           <a:bodyPr/>
           <a:lstStyle/>
@@ -8718,12 +8947,12 @@
               <a:t>/1</a:t>
             </a:r>
             <a:r>
-              <a:rPr lang="en-US" sz="1800" dirty="0" smtClean="0">
+              <a:rPr lang="ru-RU" sz="1800" dirty="0" smtClean="0">
                 <a:solidFill>
                   <a:schemeClr val="bg1"/>
                 </a:solidFill>
               </a:rPr>
-              <a:t>1</a:t>
+              <a:t>2</a:t>
             </a:r>
             <a:endParaRPr lang="ru-RU" sz="1800" dirty="0">
               <a:solidFill>
@@ -8735,26 +8964,43 @@
       </p:sp>
       <p:pic>
         <p:nvPicPr>
-          <p:cNvPr id="5" name="Рисунок 4"/>
+          <p:cNvPr id="1026" name="Picture 2" descr="https://images2.russianblogs.com/460/99/99e6eb11aafd97c44f19772f2321a82c.png"/>
           <p:cNvPicPr>
-            <a:picLocks noChangeAspect="1"/>
+            <a:picLocks noChangeAspect="1" noChangeArrowheads="1"/>
           </p:cNvPicPr>
           <p:nvPr/>
         </p:nvPicPr>
         <p:blipFill>
-          <a:blip r:embed="rId2"/>
+          <a:blip r:embed="rId2">
+            <a:extLst>
+              <a:ext uri="{28A0092B-C50C-407E-A947-70E740481C1C}">
+                <a14:useLocalDpi xmlns:a14="http://schemas.microsoft.com/office/drawing/2010/main" val="0"/>
+              </a:ext>
+            </a:extLst>
+          </a:blip>
+          <a:srcRect/>
           <a:stretch>
             <a:fillRect/>
           </a:stretch>
         </p:blipFill>
-        <p:spPr>
+        <p:spPr bwMode="auto">
           <a:xfrm>
-            <a:off x="1494341" y="2108719"/>
-            <a:ext cx="9328352" cy="4590661"/>
+            <a:off x="1276351" y="1838132"/>
+            <a:ext cx="9514855" cy="4944998"/>
           </a:xfrm>
           <a:prstGeom prst="rect">
             <a:avLst/>
           </a:prstGeom>
+          <a:noFill/>
+          <a:extLst>
+            <a:ext uri="{909E8E84-426E-40DD-AFC4-6F175D3DCCD1}">
+              <a14:hiddenFill xmlns:a14="http://schemas.microsoft.com/office/drawing/2010/main">
+                <a:solidFill>
+                  <a:srgbClr val="FFFFFF"/>
+                </a:solidFill>
+              </a14:hiddenFill>
+            </a:ext>
+          </a:extLst>
         </p:spPr>
       </p:pic>
     </p:spTree>
@@ -8823,7 +9069,15 @@
             </a:br>
             <a:r>
               <a:rPr lang="ru-RU" sz="5400" dirty="0" smtClean="0"/>
-              <a:t>(меню)</a:t>
+              <a:t>(</a:t>
+            </a:r>
+            <a:r>
+              <a:rPr lang="ru-RU" sz="5400" dirty="0" smtClean="0"/>
+              <a:t>авторизация</a:t>
+            </a:r>
+            <a:r>
+              <a:rPr lang="ru-RU" sz="5400" dirty="0" smtClean="0"/>
+              <a:t>)</a:t>
             </a:r>
             <a:endParaRPr lang="ru-RU" sz="5400" dirty="0"/>
           </a:p>
@@ -8861,12 +9115,12 @@
               <a:t>/1</a:t>
             </a:r>
             <a:r>
-              <a:rPr lang="en-US" sz="2400" dirty="0" smtClean="0">
+              <a:rPr lang="ru-RU" sz="2400" dirty="0" smtClean="0">
                 <a:solidFill>
                   <a:schemeClr val="bg1"/>
                 </a:solidFill>
               </a:rPr>
-              <a:t>1</a:t>
+              <a:t>2</a:t>
             </a:r>
             <a:endParaRPr lang="ru-RU" sz="2400" dirty="0">
               <a:solidFill>
@@ -8878,7 +9132,7 @@
       </p:sp>
       <p:pic>
         <p:nvPicPr>
-          <p:cNvPr id="4" name="Рисунок 3"/>
+          <p:cNvPr id="5" name="Рисунок 4"/>
           <p:cNvPicPr>
             <a:picLocks noChangeAspect="1"/>
           </p:cNvPicPr>
@@ -8892,8 +9146,8 @@
         </p:blipFill>
         <p:spPr>
           <a:xfrm>
-            <a:off x="204537" y="1804737"/>
-            <a:ext cx="11863137" cy="4969042"/>
+            <a:off x="2033337" y="1870378"/>
+            <a:ext cx="8440631" cy="4873874"/>
           </a:xfrm>
           <a:prstGeom prst="rect">
             <a:avLst/>
@@ -8966,7 +9220,7 @@
             </a:br>
             <a:r>
               <a:rPr lang="ru-RU" sz="5400" dirty="0" smtClean="0"/>
-              <a:t>(база данных)</a:t>
+              <a:t>(регистрация)</a:t>
             </a:r>
             <a:endParaRPr lang="ru-RU" sz="5400" dirty="0"/>
           </a:p>
@@ -9004,12 +9258,12 @@
               <a:t>/1</a:t>
             </a:r>
             <a:r>
-              <a:rPr lang="en-US" sz="2400" dirty="0" smtClean="0">
+              <a:rPr lang="ru-RU" sz="2400" dirty="0" smtClean="0">
                 <a:solidFill>
                   <a:schemeClr val="bg1"/>
                 </a:solidFill>
               </a:rPr>
-              <a:t>1</a:t>
+              <a:t>2</a:t>
             </a:r>
             <a:endParaRPr lang="ru-RU" sz="2400" dirty="0">
               <a:solidFill>
@@ -9021,7 +9275,7 @@
       </p:sp>
       <p:pic>
         <p:nvPicPr>
-          <p:cNvPr id="5" name="Рисунок 4"/>
+          <p:cNvPr id="4" name="Рисунок 3"/>
           <p:cNvPicPr>
             <a:picLocks noChangeAspect="1"/>
           </p:cNvPicPr>
@@ -9035,8 +9289,8 @@
         </p:blipFill>
         <p:spPr>
           <a:xfrm>
-            <a:off x="861733" y="1896666"/>
-            <a:ext cx="10008430" cy="4889615"/>
+            <a:off x="1779704" y="1845829"/>
+            <a:ext cx="8660632" cy="5012171"/>
           </a:xfrm>
           <a:prstGeom prst="rect">
             <a:avLst/>
@@ -9046,7 +9300,7 @@
     </p:spTree>
     <p:extLst>
       <p:ext uri="{BB962C8B-B14F-4D97-AF65-F5344CB8AC3E}">
-        <p14:creationId xmlns:p14="http://schemas.microsoft.com/office/powerpoint/2010/main" val="1226755296"/>
+        <p14:creationId xmlns:p14="http://schemas.microsoft.com/office/powerpoint/2010/main" val="1353780659"/>
       </p:ext>
     </p:extLst>
   </p:cSld>
